--- a/How to Create a Decile Analysis_Young_051419.pptx
+++ b/How to Create a Decile Analysis_Young_051419.pptx
@@ -5,14 +5,15 @@
     <p:sldMasterId id="2147483648" r:id="rId1"/>
   </p:sldMasterIdLst>
   <p:notesMasterIdLst>
-    <p:notesMasterId r:id="rId7"/>
+    <p:notesMasterId r:id="rId8"/>
   </p:notesMasterIdLst>
   <p:sldIdLst>
     <p:sldId id="377" r:id="rId2"/>
-    <p:sldId id="356" r:id="rId3"/>
-    <p:sldId id="357" r:id="rId4"/>
-    <p:sldId id="358" r:id="rId5"/>
-    <p:sldId id="376" r:id="rId6"/>
+    <p:sldId id="378" r:id="rId3"/>
+    <p:sldId id="356" r:id="rId4"/>
+    <p:sldId id="357" r:id="rId5"/>
+    <p:sldId id="358" r:id="rId6"/>
+    <p:sldId id="376" r:id="rId7"/>
   </p:sldIdLst>
   <p:sldSz cx="12192000" cy="6858000"/>
   <p:notesSz cx="7010400" cy="9296400"/>
@@ -652,7 +653,7 @@
     </p:spTree>
     <p:extLst>
       <p:ext uri="{BB962C8B-B14F-4D97-AF65-F5344CB8AC3E}">
-        <p14:creationId xmlns:p14="http://schemas.microsoft.com/office/powerpoint/2010/main" val="1094451151"/>
+        <p14:creationId xmlns:p14="http://schemas.microsoft.com/office/powerpoint/2010/main" val="1421355184"/>
       </p:ext>
     </p:extLst>
   </p:cSld>
@@ -745,7 +746,7 @@
     </p:spTree>
     <p:extLst>
       <p:ext uri="{BB962C8B-B14F-4D97-AF65-F5344CB8AC3E}">
-        <p14:creationId xmlns:p14="http://schemas.microsoft.com/office/powerpoint/2010/main" val="4153779892"/>
+        <p14:creationId xmlns:p14="http://schemas.microsoft.com/office/powerpoint/2010/main" val="1094451151"/>
       </p:ext>
     </p:extLst>
   </p:cSld>
@@ -838,7 +839,7 @@
     </p:spTree>
     <p:extLst>
       <p:ext uri="{BB962C8B-B14F-4D97-AF65-F5344CB8AC3E}">
-        <p14:creationId xmlns:p14="http://schemas.microsoft.com/office/powerpoint/2010/main" val="3435726036"/>
+        <p14:creationId xmlns:p14="http://schemas.microsoft.com/office/powerpoint/2010/main" val="4153779892"/>
       </p:ext>
     </p:extLst>
   </p:cSld>
@@ -919,6 +920,99 @@
               </a:rPr>
               <a:pPr/>
               <a:t>5</a:t>
+            </a:fld>
+            <a:endParaRPr lang="en-US">
+              <a:solidFill>
+                <a:prstClr val="black"/>
+              </a:solidFill>
+            </a:endParaRPr>
+          </a:p>
+        </p:txBody>
+      </p:sp>
+    </p:spTree>
+    <p:extLst>
+      <p:ext uri="{BB962C8B-B14F-4D97-AF65-F5344CB8AC3E}">
+        <p14:creationId xmlns:p14="http://schemas.microsoft.com/office/powerpoint/2010/main" val="3435726036"/>
+      </p:ext>
+    </p:extLst>
+  </p:cSld>
+  <p:clrMapOvr>
+    <a:masterClrMapping/>
+  </p:clrMapOvr>
+</p:notes>
+</file>
+
+<file path=ppt/notesSlides/notesSlide6.xml><?xml version="1.0" encoding="utf-8"?>
+<p:notes xmlns:a="http://schemas.openxmlformats.org/drawingml/2006/main" xmlns:r="http://schemas.openxmlformats.org/officeDocument/2006/relationships" xmlns:p="http://schemas.openxmlformats.org/presentationml/2006/main">
+  <p:cSld>
+    <p:spTree>
+      <p:nvGrpSpPr>
+        <p:cNvPr id="1" name=""/>
+        <p:cNvGrpSpPr/>
+        <p:nvPr/>
+      </p:nvGrpSpPr>
+      <p:grpSpPr>
+        <a:xfrm>
+          <a:off x="0" y="0"/>
+          <a:ext cx="0" cy="0"/>
+          <a:chOff x="0" y="0"/>
+          <a:chExt cx="0" cy="0"/>
+        </a:xfrm>
+      </p:grpSpPr>
+      <p:sp>
+        <p:nvSpPr>
+          <p:cNvPr id="2" name="Slide Image Placeholder 1"/>
+          <p:cNvSpPr>
+            <a:spLocks noGrp="1" noRot="1" noChangeAspect="1"/>
+          </p:cNvSpPr>
+          <p:nvPr>
+            <p:ph type="sldImg"/>
+          </p:nvPr>
+        </p:nvSpPr>
+        <p:spPr/>
+      </p:sp>
+      <p:sp>
+        <p:nvSpPr>
+          <p:cNvPr id="3" name="Notes Placeholder 2"/>
+          <p:cNvSpPr>
+            <a:spLocks noGrp="1"/>
+          </p:cNvSpPr>
+          <p:nvPr>
+            <p:ph type="body" idx="1"/>
+          </p:nvPr>
+        </p:nvSpPr>
+        <p:spPr/>
+        <p:txBody>
+          <a:bodyPr/>
+          <a:lstStyle/>
+          <a:p>
+            <a:endParaRPr lang="en-US" dirty="0"/>
+          </a:p>
+        </p:txBody>
+      </p:sp>
+      <p:sp>
+        <p:nvSpPr>
+          <p:cNvPr id="4" name="Slide Number Placeholder 3"/>
+          <p:cNvSpPr>
+            <a:spLocks noGrp="1"/>
+          </p:cNvSpPr>
+          <p:nvPr>
+            <p:ph type="sldNum" sz="quarter" idx="10"/>
+          </p:nvPr>
+        </p:nvSpPr>
+        <p:spPr/>
+        <p:txBody>
+          <a:bodyPr/>
+          <a:lstStyle/>
+          <a:p>
+            <a:fld id="{23FBAFF4-F2A8-4391-BA6A-EA362AE0834D}" type="slidenum">
+              <a:rPr lang="en-US" smtClean="0">
+                <a:solidFill>
+                  <a:prstClr val="black"/>
+                </a:solidFill>
+              </a:rPr>
+              <a:pPr/>
+              <a:t>6</a:t>
             </a:fld>
             <a:endParaRPr lang="en-US">
               <a:solidFill>
@@ -4050,7 +4144,7 @@
           </a:effectLst>
           <a:extLst>
             <a:ext uri="{C572A759-6A51-4108-AA02-DFA0A04FC94B}">
-              <ma14:wrappingTextBoxFlag xmlns:ma14="http://schemas.microsoft.com/office/mac/drawingml/2011/main" xmlns="" val="1"/>
+              <ma14:wrappingTextBoxFlag xmlns="" xmlns:ma14="http://schemas.microsoft.com/office/mac/drawingml/2011/main" val="1"/>
             </a:ext>
           </a:extLst>
         </p:spPr>
@@ -4147,17 +4241,7 @@
                   </a:schemeClr>
                 </a:solidFill>
               </a:rPr>
-              <a:t>Brent </a:t>
-            </a:r>
-            <a:r>
-              <a:rPr lang="en-US" sz="1800" dirty="0" smtClean="0">
-                <a:solidFill>
-                  <a:schemeClr val="accent1">
-                    <a:lumMod val="50000"/>
-                  </a:schemeClr>
-                </a:solidFill>
-              </a:rPr>
-              <a:t>Young</a:t>
+              <a:t>Brent Young</a:t>
             </a:r>
           </a:p>
           <a:p>
@@ -4335,6 +4419,181 @@
         </p:nvSpPr>
         <p:spPr>
           <a:xfrm>
+            <a:off x="838201" y="214519"/>
+            <a:ext cx="10515600" cy="818216"/>
+          </a:xfrm>
+        </p:spPr>
+        <p:txBody>
+          <a:bodyPr/>
+          <a:lstStyle/>
+          <a:p>
+            <a:pPr defTabSz="412750">
+              <a:buClr>
+                <a:srgbClr val="000000"/>
+              </a:buClr>
+              <a:buFont typeface="Gill Sans MT"/>
+              <a:defRPr sz="6400">
+                <a:latin typeface="Noto Sans CJK JP Regular"/>
+                <a:ea typeface="Noto Sans CJK JP Regular"/>
+                <a:cs typeface="Noto Sans CJK JP Regular"/>
+                <a:sym typeface="Noto Sans CJK JP Regular"/>
+              </a:defRPr>
+            </a:pPr>
+            <a:r>
+              <a:rPr lang="en-US" sz="3200" dirty="0" smtClean="0">
+                <a:solidFill>
+                  <a:srgbClr val="0070C0"/>
+                </a:solidFill>
+                <a:latin typeface="Noto Sans CJK JP Regular"/>
+                <a:ea typeface="Noto Sans CJK JP Regular"/>
+                <a:cs typeface="Noto Sans CJK JP Regular"/>
+              </a:rPr>
+              <a:t>Decile Analysis Chart</a:t>
+            </a:r>
+            <a:endParaRPr lang="en-US" sz="3200" dirty="0">
+              <a:solidFill>
+                <a:srgbClr val="0070C0"/>
+              </a:solidFill>
+              <a:latin typeface="Noto Sans CJK JP Regular"/>
+              <a:ea typeface="Noto Sans CJK JP Regular"/>
+              <a:cs typeface="Noto Sans CJK JP Regular"/>
+            </a:endParaRPr>
+          </a:p>
+        </p:txBody>
+      </p:sp>
+      <p:sp>
+        <p:nvSpPr>
+          <p:cNvPr id="4" name="TextBox 3"/>
+          <p:cNvSpPr txBox="1"/>
+          <p:nvPr/>
+        </p:nvSpPr>
+        <p:spPr>
+          <a:xfrm>
+            <a:off x="838201" y="1032735"/>
+            <a:ext cx="9273092" cy="2585323"/>
+          </a:xfrm>
+          <a:prstGeom prst="rect">
+            <a:avLst/>
+          </a:prstGeom>
+          <a:noFill/>
+        </p:spPr>
+        <p:txBody>
+          <a:bodyPr wrap="square" rtlCol="0">
+            <a:spAutoFit/>
+          </a:bodyPr>
+          <a:lstStyle/>
+          <a:p>
+            <a:r>
+              <a:rPr lang="en-US" b="1" dirty="0" smtClean="0"/>
+              <a:t>Definition:</a:t>
+            </a:r>
+            <a:r>
+              <a:rPr lang="en-US" dirty="0"/>
+              <a:t>  After building a predictive model, there are several ways to determine how well the model is describing your data. One visual way to get an idea of how well a model is fitting your data is by taking a look at the decile analysis. </a:t>
+            </a:r>
+            <a:endParaRPr lang="en-US" dirty="0" smtClean="0"/>
+          </a:p>
+          <a:p>
+            <a:endParaRPr lang="en-US" dirty="0" smtClean="0"/>
+          </a:p>
+          <a:p>
+            <a:pPr fontAlgn="base"/>
+            <a:r>
+              <a:rPr lang="en-US" b="1" dirty="0"/>
+              <a:t>What a Decile Analysis Represents</a:t>
+            </a:r>
+            <a:endParaRPr lang="en-US" dirty="0"/>
+          </a:p>
+          <a:p>
+            <a:pPr fontAlgn="base"/>
+            <a:r>
+              <a:rPr lang="en-US" dirty="0"/>
+              <a:t>After building a statistical model, a decile analysis is created to test the model’s ability to predict the intended outcome. Each column in the decile analysis chart represents a collection of records that have been scored using the model. The height of each column represents the average of those records’ actual behavior.</a:t>
+            </a:r>
+          </a:p>
+        </p:txBody>
+      </p:sp>
+      <p:sp>
+        <p:nvSpPr>
+          <p:cNvPr id="3" name="Rectangle 2"/>
+          <p:cNvSpPr/>
+          <p:nvPr/>
+        </p:nvSpPr>
+        <p:spPr>
+          <a:xfrm>
+            <a:off x="2766647" y="4760787"/>
+            <a:ext cx="6658707" cy="369332"/>
+          </a:xfrm>
+          <a:prstGeom prst="rect">
+            <a:avLst/>
+          </a:prstGeom>
+        </p:spPr>
+        <p:txBody>
+          <a:bodyPr wrap="square">
+            <a:spAutoFit/>
+          </a:bodyPr>
+          <a:lstStyle/>
+          <a:p>
+            <a:r>
+              <a:rPr lang="en-US" dirty="0">
+                <a:hlinkClick r:id="rId3"/>
+              </a:rPr>
+              <a:t>https://www.rapidinsight.com/how-to-interpret-a-decile-analysis/</a:t>
+            </a:r>
+            <a:endParaRPr lang="en-US" dirty="0"/>
+          </a:p>
+        </p:txBody>
+      </p:sp>
+    </p:spTree>
+    <p:extLst>
+      <p:ext uri="{BB962C8B-B14F-4D97-AF65-F5344CB8AC3E}">
+        <p14:creationId xmlns:p14="http://schemas.microsoft.com/office/powerpoint/2010/main" val="2522541198"/>
+      </p:ext>
+    </p:extLst>
+  </p:cSld>
+  <p:clrMapOvr>
+    <a:masterClrMapping/>
+  </p:clrMapOvr>
+  <p:transition/>
+  <p:timing>
+    <p:tnLst>
+      <p:par>
+        <p:cTn id="1" dur="indefinite" restart="never" nodeType="tmRoot"/>
+      </p:par>
+    </p:tnLst>
+  </p:timing>
+</p:sld>
+</file>
+
+<file path=ppt/slides/slide3.xml><?xml version="1.0" encoding="utf-8"?>
+<p:sld xmlns:a="http://schemas.openxmlformats.org/drawingml/2006/main" xmlns:r="http://schemas.openxmlformats.org/officeDocument/2006/relationships" xmlns:p="http://schemas.openxmlformats.org/presentationml/2006/main">
+  <p:cSld>
+    <p:spTree>
+      <p:nvGrpSpPr>
+        <p:cNvPr id="1" name=""/>
+        <p:cNvGrpSpPr/>
+        <p:nvPr/>
+      </p:nvGrpSpPr>
+      <p:grpSpPr>
+        <a:xfrm>
+          <a:off x="0" y="0"/>
+          <a:ext cx="0" cy="0"/>
+          <a:chOff x="0" y="0"/>
+          <a:chExt cx="0" cy="0"/>
+        </a:xfrm>
+      </p:grpSpPr>
+      <p:sp>
+        <p:nvSpPr>
+          <p:cNvPr id="2" name="Title 1"/>
+          <p:cNvSpPr>
+            <a:spLocks noGrp="1"/>
+          </p:cNvSpPr>
+          <p:nvPr>
+            <p:ph type="title"/>
+          </p:nvPr>
+        </p:nvSpPr>
+        <p:spPr>
+          <a:xfrm>
             <a:off x="826478" y="225642"/>
             <a:ext cx="10515600" cy="561604"/>
           </a:xfrm>
@@ -4600,7 +4859,7 @@
 </p:sld>
 </file>
 
-<file path=ppt/slides/slide3.xml><?xml version="1.0" encoding="utf-8"?>
+<file path=ppt/slides/slide4.xml><?xml version="1.0" encoding="utf-8"?>
 <p:sld xmlns:a="http://schemas.openxmlformats.org/drawingml/2006/main" xmlns:r="http://schemas.openxmlformats.org/officeDocument/2006/relationships" xmlns:p="http://schemas.openxmlformats.org/presentationml/2006/main">
   <p:cSld>
     <p:spTree>
@@ -4825,7 +5084,7 @@
 </p:sld>
 </file>
 
-<file path=ppt/slides/slide4.xml><?xml version="1.0" encoding="utf-8"?>
+<file path=ppt/slides/slide5.xml><?xml version="1.0" encoding="utf-8"?>
 <p:sld xmlns:a="http://schemas.openxmlformats.org/drawingml/2006/main" xmlns:r="http://schemas.openxmlformats.org/officeDocument/2006/relationships" xmlns:p="http://schemas.openxmlformats.org/presentationml/2006/main">
   <p:cSld>
     <p:spTree>
@@ -5181,7 +5440,7 @@
 </p:sld>
 </file>
 
-<file path=ppt/slides/slide5.xml><?xml version="1.0" encoding="utf-8"?>
+<file path=ppt/slides/slide6.xml><?xml version="1.0" encoding="utf-8"?>
 <p:sld xmlns:a="http://schemas.openxmlformats.org/drawingml/2006/main" xmlns:r="http://schemas.openxmlformats.org/officeDocument/2006/relationships" xmlns:p="http://schemas.openxmlformats.org/presentationml/2006/main">
   <p:cSld>
     <p:spTree>

--- a/How to Create a Decile Analysis_Young_051419.pptx
+++ b/How to Create a Decile Analysis_Young_051419.pptx
@@ -4144,7 +4144,7 @@
           </a:effectLst>
           <a:extLst>
             <a:ext uri="{C572A759-6A51-4108-AA02-DFA0A04FC94B}">
-              <ma14:wrappingTextBoxFlag xmlns="" xmlns:ma14="http://schemas.microsoft.com/office/mac/drawingml/2011/main" val="1"/>
+              <ma14:wrappingTextBoxFlag xmlns:ma14="http://schemas.microsoft.com/office/mac/drawingml/2011/main" xmlns="" val="1"/>
             </a:ext>
           </a:extLst>
         </p:spPr>
@@ -4645,7 +4645,7 @@
         <p:spPr>
           <a:xfrm>
             <a:off x="826478" y="787246"/>
-            <a:ext cx="8089062" cy="5909310"/>
+            <a:ext cx="8089062" cy="5632311"/>
           </a:xfrm>
           <a:prstGeom prst="rect">
             <a:avLst/>
@@ -4734,18 +4734,23 @@
                   <a:srgbClr val="111921"/>
                 </a:solidFill>
               </a:rPr>
-              <a:t>3. The deciles and their actual response rates are graphed on the x and y axes, respectively.</a:t>
-            </a:r>
-          </a:p>
-          <a:p>
-            <a:pPr fontAlgn="base"/>
+              <a:t>3. The deciles and their actual response rates are graphed on the x and y axes, </a:t>
+            </a:r>
             <a:r>
               <a:rPr lang="en-US" dirty="0" smtClean="0">
                 <a:solidFill>
                   <a:srgbClr val="111921"/>
                 </a:solidFill>
               </a:rPr>
-              <a:t>After the decile analysis is built, you’ll want to take a look at the height of the bars in relation to one another. Deciding whether a model is worth moving forward with depends on the pattern you see when viewing the decile analysis.</a:t>
+              <a:t>respectively. After </a:t>
+            </a:r>
+            <a:r>
+              <a:rPr lang="en-US" dirty="0" smtClean="0">
+                <a:solidFill>
+                  <a:srgbClr val="111921"/>
+                </a:solidFill>
+              </a:rPr>
+              <a:t>the decile analysis is built, you’ll want to take a look at the height of the bars in relation to one another. Deciding whether a model is worth moving forward with depends on the pattern you see when viewing the decile analysis.</a:t>
             </a:r>
           </a:p>
           <a:p>
@@ -5355,7 +5360,7 @@
             </a:r>
             <a:r>
               <a:rPr lang="en-US" dirty="0" smtClean="0"/>
-              <a:t> percentile; top 10% of dataset predicting for</a:t>
+              <a:t> percentile; top 10% </a:t>
             </a:r>
           </a:p>
           <a:p>
@@ -5522,7 +5527,7 @@
         <p:spPr>
           <a:xfrm>
             <a:off x="838201" y="464301"/>
-            <a:ext cx="11144249" cy="6001643"/>
+            <a:ext cx="11144249" cy="6186309"/>
           </a:xfrm>
           <a:prstGeom prst="rect">
             <a:avLst/>
@@ -5536,7 +5541,7 @@
           <a:lstStyle/>
           <a:p>
             <a:r>
-              <a:rPr lang="en-US" sz="1200" b="1" dirty="0" smtClean="0">
+              <a:rPr lang="en-US" b="1" dirty="0">
                 <a:solidFill>
                   <a:srgbClr val="111921"/>
                 </a:solidFill>
@@ -5544,7 +5549,7 @@
               <a:t>How to Create </a:t>
             </a:r>
             <a:r>
-              <a:rPr lang="en-US" sz="1200" b="1" dirty="0">
+              <a:rPr lang="en-US" b="1" dirty="0">
                 <a:solidFill>
                   <a:srgbClr val="111921"/>
                 </a:solidFill>
@@ -5552,7 +5557,7 @@
               <a:t>a Decile Analysis in </a:t>
             </a:r>
             <a:r>
-              <a:rPr lang="en-US" sz="1200" b="1" dirty="0" smtClean="0">
+              <a:rPr lang="en-US" b="1" dirty="0">
                 <a:solidFill>
                   <a:srgbClr val="111921"/>
                 </a:solidFill>
@@ -5561,7 +5566,7 @@
             </a:r>
           </a:p>
           <a:p>
-            <a:endParaRPr lang="en-US" sz="1200" b="1" dirty="0">
+            <a:endParaRPr lang="en-US" b="1" dirty="0">
               <a:solidFill>
                 <a:srgbClr val="111921"/>
               </a:solidFill>
